--- a/doc/要件定義/01_ペルソナ設定シート.pptx
+++ b/doc/要件定義/01_ペルソナ設定シート.pptx
@@ -308,7 +308,7 @@
             <a:fld id="{BF80A5BA-5808-439D-8F14-DD23526067FA}" type="datetimeFigureOut">
               <a:rPr lang="ja-JP" altLang="en-US" smtClean="0"/>
               <a:pPr/>
-              <a:t>2022/6/2</a:t>
+              <a:t>2022/6/14</a:t>
             </a:fld>
             <a:endParaRPr lang="ja-JP" altLang="en-US"/>
           </a:p>
@@ -438,7 +438,7 @@
           <a:p>
             <a:fld id="{BF80A5BA-5808-439D-8F14-DD23526067FA}" type="datetimeFigureOut">
               <a:rPr kumimoji="1" lang="ja-JP" altLang="en-US" smtClean="0"/>
-              <a:t>2022/6/2</a:t>
+              <a:t>2022/6/14</a:t>
             </a:fld>
             <a:endParaRPr kumimoji="1" lang="ja-JP" altLang="en-US"/>
           </a:p>
@@ -781,7 +781,7 @@
           <a:p>
             <a:fld id="{BF80A5BA-5808-439D-8F14-DD23526067FA}" type="datetimeFigureOut">
               <a:rPr kumimoji="1" lang="ja-JP" altLang="en-US" smtClean="0"/>
-              <a:t>2022/6/2</a:t>
+              <a:t>2022/6/14</a:t>
             </a:fld>
             <a:endParaRPr kumimoji="1" lang="ja-JP" altLang="en-US"/>
           </a:p>
@@ -1069,7 +1069,7 @@
           <a:p>
             <a:fld id="{BF80A5BA-5808-439D-8F14-DD23526067FA}" type="datetimeFigureOut">
               <a:rPr kumimoji="1" lang="ja-JP" altLang="en-US" smtClean="0"/>
-              <a:t>2022/6/2</a:t>
+              <a:t>2022/6/14</a:t>
             </a:fld>
             <a:endParaRPr kumimoji="1" lang="ja-JP" altLang="en-US"/>
           </a:p>
@@ -1299,7 +1299,7 @@
           <a:p>
             <a:fld id="{BF80A5BA-5808-439D-8F14-DD23526067FA}" type="datetimeFigureOut">
               <a:rPr kumimoji="1" lang="ja-JP" altLang="en-US" smtClean="0"/>
-              <a:t>2022/6/2</a:t>
+              <a:t>2022/6/14</a:t>
             </a:fld>
             <a:endParaRPr kumimoji="1" lang="ja-JP" altLang="en-US"/>
           </a:p>
@@ -1539,7 +1539,7 @@
           <a:p>
             <a:fld id="{BF80A5BA-5808-439D-8F14-DD23526067FA}" type="datetimeFigureOut">
               <a:rPr kumimoji="1" lang="ja-JP" altLang="en-US" smtClean="0"/>
-              <a:t>2022/6/2</a:t>
+              <a:t>2022/6/14</a:t>
             </a:fld>
             <a:endParaRPr kumimoji="1" lang="ja-JP" altLang="en-US"/>
           </a:p>
@@ -1863,7 +1863,7 @@
           <a:p>
             <a:fld id="{BF80A5BA-5808-439D-8F14-DD23526067FA}" type="datetimeFigureOut">
               <a:rPr kumimoji="1" lang="ja-JP" altLang="en-US" smtClean="0"/>
-              <a:t>2022/6/2</a:t>
+              <a:t>2022/6/14</a:t>
             </a:fld>
             <a:endParaRPr kumimoji="1" lang="ja-JP" altLang="en-US"/>
           </a:p>
@@ -2611,7 +2611,7 @@
           <a:p>
             <a:fld id="{BF80A5BA-5808-439D-8F14-DD23526067FA}" type="datetimeFigureOut">
               <a:rPr kumimoji="1" lang="ja-JP" altLang="en-US" smtClean="0"/>
-              <a:t>2022/6/2</a:t>
+              <a:t>2022/6/14</a:t>
             </a:fld>
             <a:endParaRPr kumimoji="1" lang="ja-JP" altLang="en-US"/>
           </a:p>
@@ -2932,7 +2932,7 @@
           <a:p>
             <a:fld id="{BF80A5BA-5808-439D-8F14-DD23526067FA}" type="datetimeFigureOut">
               <a:rPr kumimoji="1" lang="ja-JP" altLang="en-US" smtClean="0"/>
-              <a:t>2022/6/2</a:t>
+              <a:t>2022/6/14</a:t>
             </a:fld>
             <a:endParaRPr kumimoji="1" lang="ja-JP" altLang="en-US"/>
           </a:p>
@@ -3162,7 +3162,7 @@
           <a:p>
             <a:fld id="{BF80A5BA-5808-439D-8F14-DD23526067FA}" type="datetimeFigureOut">
               <a:rPr kumimoji="1" lang="ja-JP" altLang="en-US" smtClean="0"/>
-              <a:t>2022/6/2</a:t>
+              <a:t>2022/6/14</a:t>
             </a:fld>
             <a:endParaRPr kumimoji="1" lang="ja-JP" altLang="en-US"/>
           </a:p>
@@ -3437,7 +3437,7 @@
           <a:p>
             <a:fld id="{BF80A5BA-5808-439D-8F14-DD23526067FA}" type="datetimeFigureOut">
               <a:rPr kumimoji="1" lang="ja-JP" altLang="en-US" smtClean="0"/>
-              <a:t>2022/6/2</a:t>
+              <a:t>2022/6/14</a:t>
             </a:fld>
             <a:endParaRPr kumimoji="1" lang="ja-JP" altLang="en-US"/>
           </a:p>
@@ -3766,7 +3766,7 @@
           <a:p>
             <a:fld id="{BF80A5BA-5808-439D-8F14-DD23526067FA}" type="datetimeFigureOut">
               <a:rPr kumimoji="1" lang="ja-JP" altLang="en-US" smtClean="0"/>
-              <a:t>2022/6/2</a:t>
+              <a:t>2022/6/14</a:t>
             </a:fld>
             <a:endParaRPr kumimoji="1" lang="ja-JP" altLang="en-US"/>
           </a:p>
@@ -4242,7 +4242,7 @@
           <a:p>
             <a:fld id="{BF80A5BA-5808-439D-8F14-DD23526067FA}" type="datetimeFigureOut">
               <a:rPr kumimoji="1" lang="ja-JP" altLang="en-US" smtClean="0"/>
-              <a:t>2022/6/2</a:t>
+              <a:t>2022/6/14</a:t>
             </a:fld>
             <a:endParaRPr kumimoji="1" lang="ja-JP" altLang="en-US"/>
           </a:p>
@@ -4383,7 +4383,7 @@
           <a:p>
             <a:fld id="{BF80A5BA-5808-439D-8F14-DD23526067FA}" type="datetimeFigureOut">
               <a:rPr kumimoji="1" lang="ja-JP" altLang="en-US" smtClean="0"/>
-              <a:t>2022/6/2</a:t>
+              <a:t>2022/6/14</a:t>
             </a:fld>
             <a:endParaRPr kumimoji="1" lang="ja-JP" altLang="en-US"/>
           </a:p>
@@ -4656,7 +4656,7 @@
             <a:fld id="{BF80A5BA-5808-439D-8F14-DD23526067FA}" type="datetimeFigureOut">
               <a:rPr lang="ja-JP" altLang="en-US" smtClean="0"/>
               <a:pPr/>
-              <a:t>2022/6/2</a:t>
+              <a:t>2022/6/14</a:t>
             </a:fld>
             <a:endParaRPr lang="ja-JP" altLang="en-US"/>
           </a:p>
@@ -5305,7 +5305,7 @@
             </a:r>
             <a:r>
               <a:rPr lang="ja-JP" altLang="en-US" dirty="0"/>
-              <a:t>出発。朝、余裕をもって活動したい。朝食はパンを食べるが、本当は和食が良い。娯楽へのこだわりは強いが生活面には無頓着。休日は勉強などをしたいが上司からの電話や疲れで時間がない。</a:t>
+              <a:t>出発。朝、余裕をもって活動したい。朝食はパンを食べるが、本当は和食が良い。娯楽へのこだわりは強いが生活面には無頓着。休日は勉強などをしたいが上司からの電話や疲れで時間がない。某アイドルグループのファン。</a:t>
             </a:r>
             <a:endParaRPr lang="en-US" altLang="ja-JP" dirty="0"/>
           </a:p>
@@ -5552,6 +5552,13 @@
             <a:r>
               <a:rPr lang="ja-JP" altLang="en-US" dirty="0"/>
               <a:t>満足：電車の乗り換えがスムーズにいったとき喜びを感じる。早く帰宅できた時。たまに競馬で勝つ。おいしいつまみを開拓したとき。</a:t>
+            </a:r>
+            <a:endParaRPr lang="en-US" altLang="ja-JP" dirty="0"/>
+          </a:p>
+          <a:p>
+            <a:r>
+              <a:rPr lang="ja-JP" altLang="en-US" dirty="0"/>
+              <a:t>推しているアイドルに関するグッズを手に入れたとき。</a:t>
             </a:r>
             <a:endParaRPr lang="en-US" altLang="ja-JP" dirty="0"/>
           </a:p>
